--- a/COMPOSICION MT.pptx
+++ b/COMPOSICION MT.pptx
@@ -1214,7 +1214,7 @@
           </a:lstStyle>
           <a:p>
             <a:r>
-              <a:rPr lang="es-ES" smtClean="0"/>
+              <a:rPr lang="es-ES"/>
               <a:t>Haga clic para modificar el estilo de título del patrón</a:t>
             </a:r>
             <a:endParaRPr lang="en-US" dirty="0"/>
@@ -1288,7 +1288,7 @@
           </a:lstStyle>
           <a:p>
             <a:r>
-              <a:rPr lang="es-ES" smtClean="0"/>
+              <a:rPr lang="es-ES"/>
               <a:t>Haga clic para modificar el estilo de subtítulo del patrón</a:t>
             </a:r>
             <a:endParaRPr lang="en-US" dirty="0"/>
@@ -1328,7 +1328,7 @@
             <a:fld id="{9334D819-9F07-4261-B09B-9E467E5D9002}" type="datetimeFigureOut">
               <a:rPr lang="en-US" dirty="0"/>
               <a:pPr/>
-              <a:t>4/5/2019</a:t>
+              <a:t>5/18/2019</a:t>
             </a:fld>
             <a:endParaRPr lang="en-US" dirty="0"/>
           </a:p>
@@ -1486,7 +1486,7 @@
           <a:lstStyle/>
           <a:p>
             <a:r>
-              <a:rPr lang="es-ES" smtClean="0"/>
+              <a:rPr lang="es-ES"/>
               <a:t>Haga clic para modificar el estilo de título del patrón</a:t>
             </a:r>
             <a:endParaRPr lang="en-US" dirty="0"/>
@@ -1510,35 +1510,35 @@
           <a:p>
             <a:pPr lvl="0"/>
             <a:r>
-              <a:rPr lang="es-ES" smtClean="0"/>
+              <a:rPr lang="es-ES"/>
               <a:t>Haga clic para modificar el estilo de texto del patrón</a:t>
             </a:r>
           </a:p>
           <a:p>
             <a:pPr lvl="1"/>
             <a:r>
-              <a:rPr lang="es-ES" smtClean="0"/>
+              <a:rPr lang="es-ES"/>
               <a:t>Segundo nivel</a:t>
             </a:r>
           </a:p>
           <a:p>
             <a:pPr lvl="2"/>
             <a:r>
-              <a:rPr lang="es-ES" smtClean="0"/>
+              <a:rPr lang="es-ES"/>
               <a:t>Tercer nivel</a:t>
             </a:r>
           </a:p>
           <a:p>
             <a:pPr lvl="3"/>
             <a:r>
-              <a:rPr lang="es-ES" smtClean="0"/>
+              <a:rPr lang="es-ES"/>
               <a:t>Cuarto nivel</a:t>
             </a:r>
           </a:p>
           <a:p>
             <a:pPr lvl="4"/>
             <a:r>
-              <a:rPr lang="es-ES" smtClean="0"/>
+              <a:rPr lang="es-ES"/>
               <a:t>Quinto nivel</a:t>
             </a:r>
             <a:endParaRPr lang="en-US" dirty="0"/>
@@ -1562,7 +1562,7 @@
           <a:p>
             <a:fld id="{9334D819-9F07-4261-B09B-9E467E5D9002}" type="datetimeFigureOut">
               <a:rPr lang="en-US" dirty="0"/>
-              <a:t>4/5/2019</a:t>
+              <a:t>5/18/2019</a:t>
             </a:fld>
             <a:endParaRPr lang="en-US" dirty="0"/>
           </a:p>
@@ -1656,7 +1656,7 @@
           <a:lstStyle/>
           <a:p>
             <a:r>
-              <a:rPr lang="es-ES" smtClean="0"/>
+              <a:rPr lang="es-ES"/>
               <a:t>Haga clic para modificar el estilo de título del patrón</a:t>
             </a:r>
             <a:endParaRPr lang="en-US" dirty="0"/>
@@ -1685,35 +1685,35 @@
           <a:p>
             <a:pPr lvl="0"/>
             <a:r>
-              <a:rPr lang="es-ES" smtClean="0"/>
+              <a:rPr lang="es-ES"/>
               <a:t>Haga clic para modificar el estilo de texto del patrón</a:t>
             </a:r>
           </a:p>
           <a:p>
             <a:pPr lvl="1"/>
             <a:r>
-              <a:rPr lang="es-ES" smtClean="0"/>
+              <a:rPr lang="es-ES"/>
               <a:t>Segundo nivel</a:t>
             </a:r>
           </a:p>
           <a:p>
             <a:pPr lvl="2"/>
             <a:r>
-              <a:rPr lang="es-ES" smtClean="0"/>
+              <a:rPr lang="es-ES"/>
               <a:t>Tercer nivel</a:t>
             </a:r>
           </a:p>
           <a:p>
             <a:pPr lvl="3"/>
             <a:r>
-              <a:rPr lang="es-ES" smtClean="0"/>
+              <a:rPr lang="es-ES"/>
               <a:t>Cuarto nivel</a:t>
             </a:r>
           </a:p>
           <a:p>
             <a:pPr lvl="4"/>
             <a:r>
-              <a:rPr lang="es-ES" smtClean="0"/>
+              <a:rPr lang="es-ES"/>
               <a:t>Quinto nivel</a:t>
             </a:r>
             <a:endParaRPr lang="en-US" dirty="0"/>
@@ -1737,7 +1737,7 @@
           <a:p>
             <a:fld id="{9334D819-9F07-4261-B09B-9E467E5D9002}" type="datetimeFigureOut">
               <a:rPr lang="en-US" dirty="0"/>
-              <a:t>4/5/2019</a:t>
+              <a:t>5/18/2019</a:t>
             </a:fld>
             <a:endParaRPr lang="en-US" dirty="0"/>
           </a:p>
@@ -1826,7 +1826,7 @@
           <a:lstStyle/>
           <a:p>
             <a:r>
-              <a:rPr lang="es-ES" smtClean="0"/>
+              <a:rPr lang="es-ES"/>
               <a:t>Haga clic para modificar el estilo de título del patrón</a:t>
             </a:r>
             <a:endParaRPr lang="en-US" dirty="0"/>
@@ -1850,35 +1850,35 @@
           <a:p>
             <a:pPr lvl="0"/>
             <a:r>
-              <a:rPr lang="es-ES" smtClean="0"/>
+              <a:rPr lang="es-ES"/>
               <a:t>Haga clic para modificar el estilo de texto del patrón</a:t>
             </a:r>
           </a:p>
           <a:p>
             <a:pPr lvl="1"/>
             <a:r>
-              <a:rPr lang="es-ES" smtClean="0"/>
+              <a:rPr lang="es-ES"/>
               <a:t>Segundo nivel</a:t>
             </a:r>
           </a:p>
           <a:p>
             <a:pPr lvl="2"/>
             <a:r>
-              <a:rPr lang="es-ES" smtClean="0"/>
+              <a:rPr lang="es-ES"/>
               <a:t>Tercer nivel</a:t>
             </a:r>
           </a:p>
           <a:p>
             <a:pPr lvl="3"/>
             <a:r>
-              <a:rPr lang="es-ES" smtClean="0"/>
+              <a:rPr lang="es-ES"/>
               <a:t>Cuarto nivel</a:t>
             </a:r>
           </a:p>
           <a:p>
             <a:pPr lvl="4"/>
             <a:r>
-              <a:rPr lang="es-ES" smtClean="0"/>
+              <a:rPr lang="es-ES"/>
               <a:t>Quinto nivel</a:t>
             </a:r>
             <a:endParaRPr lang="en-US" dirty="0"/>
@@ -1902,7 +1902,7 @@
           <a:p>
             <a:fld id="{9334D819-9F07-4261-B09B-9E467E5D9002}" type="datetimeFigureOut">
               <a:rPr lang="en-US" dirty="0"/>
-              <a:t>4/5/2019</a:t>
+              <a:t>5/18/2019</a:t>
             </a:fld>
             <a:endParaRPr lang="en-US" dirty="0"/>
           </a:p>
@@ -2014,7 +2014,7 @@
           </a:lstStyle>
           <a:p>
             <a:r>
-              <a:rPr lang="es-ES" smtClean="0"/>
+              <a:rPr lang="es-ES"/>
               <a:t>Haga clic para modificar el estilo de título del patrón</a:t>
             </a:r>
             <a:endParaRPr lang="en-US" dirty="0"/>
@@ -2137,7 +2137,7 @@
           <a:p>
             <a:pPr lvl="0"/>
             <a:r>
-              <a:rPr lang="es-ES" smtClean="0"/>
+              <a:rPr lang="es-ES"/>
               <a:t>Haga clic para modificar el estilo de texto del patrón</a:t>
             </a:r>
           </a:p>
@@ -2174,7 +2174,7 @@
             <a:fld id="{9334D819-9F07-4261-B09B-9E467E5D9002}" type="datetimeFigureOut">
               <a:rPr lang="en-US" dirty="0"/>
               <a:pPr/>
-              <a:t>4/5/2019</a:t>
+              <a:t>5/18/2019</a:t>
             </a:fld>
             <a:endParaRPr lang="en-US" dirty="0"/>
           </a:p>
@@ -3233,7 +3233,7 @@
           <a:lstStyle/>
           <a:p>
             <a:r>
-              <a:rPr lang="es-ES" smtClean="0"/>
+              <a:rPr lang="es-ES"/>
               <a:t>Haga clic para modificar el estilo de título del patrón</a:t>
             </a:r>
             <a:endParaRPr lang="en-US" dirty="0"/>
@@ -3262,35 +3262,35 @@
           <a:p>
             <a:pPr lvl="0"/>
             <a:r>
-              <a:rPr lang="es-ES" smtClean="0"/>
+              <a:rPr lang="es-ES"/>
               <a:t>Haga clic para modificar el estilo de texto del patrón</a:t>
             </a:r>
           </a:p>
           <a:p>
             <a:pPr lvl="1"/>
             <a:r>
-              <a:rPr lang="es-ES" smtClean="0"/>
+              <a:rPr lang="es-ES"/>
               <a:t>Segundo nivel</a:t>
             </a:r>
           </a:p>
           <a:p>
             <a:pPr lvl="2"/>
             <a:r>
-              <a:rPr lang="es-ES" smtClean="0"/>
+              <a:rPr lang="es-ES"/>
               <a:t>Tercer nivel</a:t>
             </a:r>
           </a:p>
           <a:p>
             <a:pPr lvl="3"/>
             <a:r>
-              <a:rPr lang="es-ES" smtClean="0"/>
+              <a:rPr lang="es-ES"/>
               <a:t>Cuarto nivel</a:t>
             </a:r>
           </a:p>
           <a:p>
             <a:pPr lvl="4"/>
             <a:r>
-              <a:rPr lang="es-ES" smtClean="0"/>
+              <a:rPr lang="es-ES"/>
               <a:t>Quinto nivel</a:t>
             </a:r>
             <a:endParaRPr lang="en-US" dirty="0"/>
@@ -3319,35 +3319,35 @@
           <a:p>
             <a:pPr lvl="0"/>
             <a:r>
-              <a:rPr lang="es-ES" smtClean="0"/>
+              <a:rPr lang="es-ES"/>
               <a:t>Haga clic para modificar el estilo de texto del patrón</a:t>
             </a:r>
           </a:p>
           <a:p>
             <a:pPr lvl="1"/>
             <a:r>
-              <a:rPr lang="es-ES" smtClean="0"/>
+              <a:rPr lang="es-ES"/>
               <a:t>Segundo nivel</a:t>
             </a:r>
           </a:p>
           <a:p>
             <a:pPr lvl="2"/>
             <a:r>
-              <a:rPr lang="es-ES" smtClean="0"/>
+              <a:rPr lang="es-ES"/>
               <a:t>Tercer nivel</a:t>
             </a:r>
           </a:p>
           <a:p>
             <a:pPr lvl="3"/>
             <a:r>
-              <a:rPr lang="es-ES" smtClean="0"/>
+              <a:rPr lang="es-ES"/>
               <a:t>Cuarto nivel</a:t>
             </a:r>
           </a:p>
           <a:p>
             <a:pPr lvl="4"/>
             <a:r>
-              <a:rPr lang="es-ES" smtClean="0"/>
+              <a:rPr lang="es-ES"/>
               <a:t>Quinto nivel</a:t>
             </a:r>
             <a:endParaRPr lang="en-US" dirty="0"/>
@@ -3371,7 +3371,7 @@
           <a:p>
             <a:fld id="{9334D819-9F07-4261-B09B-9E467E5D9002}" type="datetimeFigureOut">
               <a:rPr lang="en-US" dirty="0"/>
-              <a:t>4/5/2019</a:t>
+              <a:t>5/18/2019</a:t>
             </a:fld>
             <a:endParaRPr lang="en-US" dirty="0"/>
           </a:p>
@@ -3424,7 +3424,7 @@
   <p:clrMapOvr>
     <a:masterClrMapping/>
   </p:clrMapOvr>
-  <p:extLst mod="1">
+  <p:extLst>
     <p:ext uri="{DCECCB84-F9BA-43D5-87BE-67443E8EF086}">
       <p15:sldGuideLst xmlns:p15="http://schemas.microsoft.com/office/powerpoint/2012/main"/>
     </p:ext>
@@ -3470,7 +3470,7 @@
           <a:lstStyle/>
           <a:p>
             <a:r>
-              <a:rPr lang="es-ES" smtClean="0"/>
+              <a:rPr lang="es-ES"/>
               <a:t>Haga clic para modificar el estilo de título del patrón</a:t>
             </a:r>
             <a:endParaRPr lang="en-US" dirty="0"/>
@@ -3545,7 +3545,7 @@
           <a:p>
             <a:pPr lvl="0"/>
             <a:r>
-              <a:rPr lang="es-ES" smtClean="0"/>
+              <a:rPr lang="es-ES"/>
               <a:t>Haga clic para modificar el estilo de texto del patrón</a:t>
             </a:r>
           </a:p>
@@ -3573,35 +3573,35 @@
           <a:p>
             <a:pPr lvl="0"/>
             <a:r>
-              <a:rPr lang="es-ES" smtClean="0"/>
+              <a:rPr lang="es-ES"/>
               <a:t>Haga clic para modificar el estilo de texto del patrón</a:t>
             </a:r>
           </a:p>
           <a:p>
             <a:pPr lvl="1"/>
             <a:r>
-              <a:rPr lang="es-ES" smtClean="0"/>
+              <a:rPr lang="es-ES"/>
               <a:t>Segundo nivel</a:t>
             </a:r>
           </a:p>
           <a:p>
             <a:pPr lvl="2"/>
             <a:r>
-              <a:rPr lang="es-ES" smtClean="0"/>
+              <a:rPr lang="es-ES"/>
               <a:t>Tercer nivel</a:t>
             </a:r>
           </a:p>
           <a:p>
             <a:pPr lvl="3"/>
             <a:r>
-              <a:rPr lang="es-ES" smtClean="0"/>
+              <a:rPr lang="es-ES"/>
               <a:t>Cuarto nivel</a:t>
             </a:r>
           </a:p>
           <a:p>
             <a:pPr lvl="4"/>
             <a:r>
-              <a:rPr lang="es-ES" smtClean="0"/>
+              <a:rPr lang="es-ES"/>
               <a:t>Quinto nivel</a:t>
             </a:r>
             <a:endParaRPr lang="en-US" dirty="0"/>
@@ -3676,7 +3676,7 @@
           <a:p>
             <a:pPr lvl="0"/>
             <a:r>
-              <a:rPr lang="es-ES" smtClean="0"/>
+              <a:rPr lang="es-ES"/>
               <a:t>Haga clic para modificar el estilo de texto del patrón</a:t>
             </a:r>
           </a:p>
@@ -3704,35 +3704,35 @@
           <a:p>
             <a:pPr lvl="0"/>
             <a:r>
-              <a:rPr lang="es-ES" smtClean="0"/>
+              <a:rPr lang="es-ES"/>
               <a:t>Haga clic para modificar el estilo de texto del patrón</a:t>
             </a:r>
           </a:p>
           <a:p>
             <a:pPr lvl="1"/>
             <a:r>
-              <a:rPr lang="es-ES" smtClean="0"/>
+              <a:rPr lang="es-ES"/>
               <a:t>Segundo nivel</a:t>
             </a:r>
           </a:p>
           <a:p>
             <a:pPr lvl="2"/>
             <a:r>
-              <a:rPr lang="es-ES" smtClean="0"/>
+              <a:rPr lang="es-ES"/>
               <a:t>Tercer nivel</a:t>
             </a:r>
           </a:p>
           <a:p>
             <a:pPr lvl="3"/>
             <a:r>
-              <a:rPr lang="es-ES" smtClean="0"/>
+              <a:rPr lang="es-ES"/>
               <a:t>Cuarto nivel</a:t>
             </a:r>
           </a:p>
           <a:p>
             <a:pPr lvl="4"/>
             <a:r>
-              <a:rPr lang="es-ES" smtClean="0"/>
+              <a:rPr lang="es-ES"/>
               <a:t>Quinto nivel</a:t>
             </a:r>
             <a:endParaRPr lang="en-US" dirty="0"/>
@@ -3756,7 +3756,7 @@
           <a:p>
             <a:fld id="{9334D819-9F07-4261-B09B-9E467E5D9002}" type="datetimeFigureOut">
               <a:rPr lang="en-US" dirty="0"/>
-              <a:t>4/5/2019</a:t>
+              <a:t>5/18/2019</a:t>
             </a:fld>
             <a:endParaRPr lang="en-US" dirty="0"/>
           </a:p>
@@ -3809,7 +3809,7 @@
   <p:clrMapOvr>
     <a:masterClrMapping/>
   </p:clrMapOvr>
-  <p:extLst mod="1">
+  <p:extLst>
     <p:ext uri="{DCECCB84-F9BA-43D5-87BE-67443E8EF086}">
       <p15:sldGuideLst xmlns:p15="http://schemas.microsoft.com/office/powerpoint/2012/main"/>
     </p:ext>
@@ -3850,7 +3850,7 @@
           <a:lstStyle/>
           <a:p>
             <a:r>
-              <a:rPr lang="es-ES" smtClean="0"/>
+              <a:rPr lang="es-ES"/>
               <a:t>Haga clic para modificar el estilo de título del patrón</a:t>
             </a:r>
             <a:endParaRPr lang="en-US" dirty="0"/>
@@ -3874,7 +3874,7 @@
           <a:p>
             <a:fld id="{9334D819-9F07-4261-B09B-9E467E5D9002}" type="datetimeFigureOut">
               <a:rPr lang="en-US" dirty="0"/>
-              <a:t>4/5/2019</a:t>
+              <a:t>5/18/2019</a:t>
             </a:fld>
             <a:endParaRPr lang="en-US" dirty="0"/>
           </a:p>
@@ -3964,7 +3964,7 @@
           <a:p>
             <a:fld id="{9334D819-9F07-4261-B09B-9E467E5D9002}" type="datetimeFigureOut">
               <a:rPr lang="en-US" dirty="0"/>
-              <a:t>4/5/2019</a:t>
+              <a:t>5/18/2019</a:t>
             </a:fld>
             <a:endParaRPr lang="en-US" dirty="0"/>
           </a:p>
@@ -4533,7 +4533,7 @@
           </a:lstStyle>
           <a:p>
             <a:r>
-              <a:rPr lang="es-ES" smtClean="0"/>
+              <a:rPr lang="es-ES"/>
               <a:t>Haga clic para modificar el estilo de título del patrón</a:t>
             </a:r>
             <a:endParaRPr lang="en-US" dirty="0"/>
@@ -4590,35 +4590,35 @@
           <a:p>
             <a:pPr lvl="0"/>
             <a:r>
-              <a:rPr lang="es-ES" smtClean="0"/>
+              <a:rPr lang="es-ES"/>
               <a:t>Haga clic para modificar el estilo de texto del patrón</a:t>
             </a:r>
           </a:p>
           <a:p>
             <a:pPr lvl="1"/>
             <a:r>
-              <a:rPr lang="es-ES" smtClean="0"/>
+              <a:rPr lang="es-ES"/>
               <a:t>Segundo nivel</a:t>
             </a:r>
           </a:p>
           <a:p>
             <a:pPr lvl="2"/>
             <a:r>
-              <a:rPr lang="es-ES" smtClean="0"/>
+              <a:rPr lang="es-ES"/>
               <a:t>Tercer nivel</a:t>
             </a:r>
           </a:p>
           <a:p>
             <a:pPr lvl="3"/>
             <a:r>
-              <a:rPr lang="es-ES" smtClean="0"/>
+              <a:rPr lang="es-ES"/>
               <a:t>Cuarto nivel</a:t>
             </a:r>
           </a:p>
           <a:p>
             <a:pPr lvl="4"/>
             <a:r>
-              <a:rPr lang="es-ES" smtClean="0"/>
+              <a:rPr lang="es-ES"/>
               <a:t>Quinto nivel</a:t>
             </a:r>
             <a:endParaRPr lang="en-US" dirty="0"/>
@@ -4694,7 +4694,7 @@
           <a:p>
             <a:pPr lvl="0"/>
             <a:r>
-              <a:rPr lang="es-ES" smtClean="0"/>
+              <a:rPr lang="es-ES"/>
               <a:t>Haga clic para modificar el estilo de texto del patrón</a:t>
             </a:r>
           </a:p>
@@ -4722,7 +4722,7 @@
           <a:p>
             <a:fld id="{9334D819-9F07-4261-B09B-9E467E5D9002}" type="datetimeFigureOut">
               <a:rPr lang="en-US" dirty="0"/>
-              <a:t>4/5/2019</a:t>
+              <a:t>5/18/2019</a:t>
             </a:fld>
             <a:endParaRPr lang="en-US" dirty="0"/>
           </a:p>
@@ -4823,7 +4823,7 @@
   <p:clrMapOvr>
     <a:masterClrMapping/>
   </p:clrMapOvr>
-  <p:extLst mod="1">
+  <p:extLst>
     <p:ext uri="{DCECCB84-F9BA-43D5-87BE-67443E8EF086}">
       <p15:sldGuideLst xmlns:p15="http://schemas.microsoft.com/office/powerpoint/2012/main">
         <p15:guide id="1" orient="horz" pos="696">
@@ -4912,7 +4912,7 @@
           </a:lstStyle>
           <a:p>
             <a:r>
-              <a:rPr lang="es-ES" smtClean="0"/>
+              <a:rPr lang="es-ES"/>
               <a:t>Haga clic en el icono para agregar una imagen</a:t>
             </a:r>
             <a:endParaRPr lang="en-US" dirty="0"/>
@@ -5453,7 +5453,7 @@
           </a:lstStyle>
           <a:p>
             <a:r>
-              <a:rPr lang="es-ES" smtClean="0"/>
+              <a:rPr lang="es-ES"/>
               <a:t>Haga clic para modificar el estilo de título del patrón</a:t>
             </a:r>
             <a:endParaRPr lang="en-US" dirty="0"/>
@@ -5529,7 +5529,7 @@
           <a:p>
             <a:pPr lvl="0"/>
             <a:r>
-              <a:rPr lang="es-ES" smtClean="0"/>
+              <a:rPr lang="es-ES"/>
               <a:t>Haga clic para modificar el estilo de texto del patrón</a:t>
             </a:r>
           </a:p>
@@ -5557,7 +5557,7 @@
           <a:p>
             <a:fld id="{9334D819-9F07-4261-B09B-9E467E5D9002}" type="datetimeFigureOut">
               <a:rPr lang="en-US" dirty="0"/>
-              <a:t>4/5/2019</a:t>
+              <a:t>5/18/2019</a:t>
             </a:fld>
             <a:endParaRPr lang="en-US" dirty="0"/>
           </a:p>
@@ -5674,7 +5674,7 @@
           <a:lstStyle/>
           <a:p>
             <a:r>
-              <a:rPr lang="es-ES" smtClean="0"/>
+              <a:rPr lang="es-ES"/>
               <a:t>Haga clic para modificar el estilo de título del patrón</a:t>
             </a:r>
             <a:endParaRPr lang="en-US" dirty="0"/>
@@ -5708,35 +5708,35 @@
           <a:p>
             <a:pPr lvl="0"/>
             <a:r>
-              <a:rPr lang="es-ES" smtClean="0"/>
+              <a:rPr lang="es-ES"/>
               <a:t>Haga clic para modificar el estilo de texto del patrón</a:t>
             </a:r>
           </a:p>
           <a:p>
             <a:pPr lvl="1"/>
             <a:r>
-              <a:rPr lang="es-ES" smtClean="0"/>
+              <a:rPr lang="es-ES"/>
               <a:t>Segundo nivel</a:t>
             </a:r>
           </a:p>
           <a:p>
             <a:pPr lvl="2"/>
             <a:r>
-              <a:rPr lang="es-ES" smtClean="0"/>
+              <a:rPr lang="es-ES"/>
               <a:t>Tercer nivel</a:t>
             </a:r>
           </a:p>
           <a:p>
             <a:pPr lvl="3"/>
             <a:r>
-              <a:rPr lang="es-ES" smtClean="0"/>
+              <a:rPr lang="es-ES"/>
               <a:t>Cuarto nivel</a:t>
             </a:r>
           </a:p>
           <a:p>
             <a:pPr lvl="4"/>
             <a:r>
-              <a:rPr lang="es-ES" smtClean="0"/>
+              <a:rPr lang="es-ES"/>
               <a:t>Quinto nivel</a:t>
             </a:r>
             <a:endParaRPr lang="en-US" dirty="0"/>
@@ -5780,7 +5780,7 @@
             <a:fld id="{9334D819-9F07-4261-B09B-9E467E5D9002}" type="datetimeFigureOut">
               <a:rPr lang="en-US" dirty="0"/>
               <a:pPr/>
-              <a:t>4/5/2019</a:t>
+              <a:t>5/18/2019</a:t>
             </a:fld>
             <a:endParaRPr lang="en-US" dirty="0"/>
           </a:p>
@@ -6719,7 +6719,7 @@
       </a:lvl9pPr>
     </p:otherStyle>
   </p:txStyles>
-  <p:extLst mod="1">
+  <p:extLst>
     <p:ext uri="{27BBF7A9-308A-43DC-89C8-2F10F3537804}">
       <p15:sldGuideLst xmlns:p15="http://schemas.microsoft.com/office/powerpoint/2012/main">
         <p15:guide id="1" pos="792">
@@ -6791,22 +6791,22 @@
           <a:lstStyle/>
           <a:p>
             <a:r>
-              <a:rPr lang="es-MX" dirty="0" smtClean="0"/>
+              <a:rPr lang="es-MX" dirty="0"/>
               <a:t>COMPOSICION de </a:t>
             </a:r>
             <a:br>
-              <a:rPr lang="es-MX" dirty="0" smtClean="0"/>
+              <a:rPr lang="es-MX" dirty="0"/>
             </a:br>
             <a:r>
-              <a:rPr lang="es-MX" dirty="0" err="1" smtClean="0"/>
+              <a:rPr lang="es-MX" dirty="0" err="1"/>
               <a:t>Mem</a:t>
             </a:r>
             <a:r>
-              <a:rPr lang="es-MX" dirty="0" smtClean="0"/>
+              <a:rPr lang="es-MX" dirty="0"/>
               <a:t>. TEC. </a:t>
             </a:r>
             <a:r>
-              <a:rPr lang="es-MX" dirty="0" err="1" smtClean="0"/>
+              <a:rPr lang="es-MX" dirty="0" err="1"/>
               <a:t>analitica</a:t>
             </a:r>
             <a:endParaRPr lang="es-MX" dirty="0"/>
@@ -6829,10 +6829,9 @@
           <a:lstStyle/>
           <a:p>
             <a:r>
-              <a:rPr lang="es-MX" dirty="0" smtClean="0"/>
+              <a:rPr lang="es-MX" dirty="0"/>
               <a:t>REDES DE TELECOMUNICACIONES</a:t>
             </a:r>
-            <a:endParaRPr lang="es-MX" dirty="0"/>
           </a:p>
         </p:txBody>
       </p:sp>
@@ -6882,10 +6881,9 @@
           <a:lstStyle/>
           <a:p>
             <a:r>
-              <a:rPr lang="es-MX" dirty="0" smtClean="0"/>
+              <a:rPr lang="es-MX" dirty="0"/>
               <a:t>ANTECEDENTES</a:t>
             </a:r>
-            <a:endParaRPr lang="es-MX" dirty="0"/>
           </a:p>
         </p:txBody>
       </p:sp>
@@ -6912,7 +6910,7 @@
           <a:lstStyle/>
           <a:p>
             <a:r>
-              <a:rPr lang="es-MX" sz="1800" dirty="0" smtClean="0"/>
+              <a:rPr lang="es-MX" sz="1800" dirty="0"/>
               <a:t>Para quien seria el proyecto</a:t>
             </a:r>
           </a:p>
@@ -6921,13 +6919,17 @@
               <a:buNone/>
             </a:pPr>
             <a:r>
-              <a:rPr lang="es-MX" sz="1800" dirty="0" smtClean="0"/>
+              <a:rPr lang="es-MX" sz="1800" dirty="0">
+                <a:highlight>
+                  <a:srgbClr val="000000"/>
+                </a:highlight>
+              </a:rPr>
               <a:t>Descripción de la empresa su misión, localización, distribución catastral para ubicar a los usuarios de la intranet en función del organigrama .</a:t>
             </a:r>
           </a:p>
           <a:p>
             <a:r>
-              <a:rPr lang="es-MX" sz="1800" dirty="0" smtClean="0"/>
+              <a:rPr lang="es-MX" sz="1800" dirty="0"/>
               <a:t>Para que ?</a:t>
             </a:r>
           </a:p>
@@ -6936,13 +6938,17 @@
               <a:buNone/>
             </a:pPr>
             <a:r>
-              <a:rPr lang="es-MX" sz="1800" dirty="0" smtClean="0"/>
+              <a:rPr lang="es-MX" sz="1800" dirty="0">
+                <a:highlight>
+                  <a:srgbClr val="000000"/>
+                </a:highlight>
+              </a:rPr>
               <a:t>Descripción del enrutamiento entre Corporativo y posibles nodos, en área metropolitana, detalle de localización con coordenadas y distancias. Considerando enlaces punto a punto y/o ruta de enlace fibra óptica: TOPOLOGIA</a:t>
             </a:r>
           </a:p>
           <a:p>
             <a:r>
-              <a:rPr lang="es-MX" sz="1800" dirty="0" smtClean="0"/>
+              <a:rPr lang="es-MX" sz="1800" dirty="0"/>
               <a:t>Por que?</a:t>
             </a:r>
           </a:p>
@@ -6951,7 +6957,7 @@
               <a:buNone/>
             </a:pPr>
             <a:r>
-              <a:rPr lang="es-MX" sz="1800" dirty="0" smtClean="0"/>
+              <a:rPr lang="es-MX" sz="1800" dirty="0"/>
               <a:t>Descripción de los servicios y ancho de Banda para:</a:t>
             </a:r>
           </a:p>
@@ -6960,7 +6966,11 @@
               <a:buNone/>
             </a:pPr>
             <a:r>
-              <a:rPr lang="es-MX" sz="1800" dirty="0" smtClean="0"/>
+              <a:rPr lang="es-MX" sz="1800" dirty="0">
+                <a:highlight>
+                  <a:srgbClr val="000000"/>
+                </a:highlight>
+              </a:rPr>
               <a:t>Intranet con dependencia de los protocolos de ATM para el enrutamiento.</a:t>
             </a:r>
           </a:p>
@@ -6969,26 +6979,25 @@
               <a:buNone/>
             </a:pPr>
             <a:r>
-              <a:rPr lang="es-MX" sz="1800" dirty="0" smtClean="0"/>
+              <a:rPr lang="es-MX" sz="1800" dirty="0"/>
               <a:t>Front </a:t>
             </a:r>
             <a:r>
-              <a:rPr lang="es-MX" sz="1800" dirty="0" err="1" smtClean="0"/>
+              <a:rPr lang="es-MX" sz="1800" dirty="0" err="1"/>
               <a:t>end</a:t>
             </a:r>
             <a:r>
-              <a:rPr lang="es-MX" sz="1800" dirty="0" smtClean="0"/>
+              <a:rPr lang="es-MX" sz="1800" dirty="0"/>
               <a:t> con  detalle en las características de la ingeniera  web, relacionada con la arquitectura de back </a:t>
             </a:r>
             <a:r>
-              <a:rPr lang="es-MX" sz="1800" dirty="0" err="1" smtClean="0"/>
+              <a:rPr lang="es-MX" sz="1800" dirty="0" err="1"/>
               <a:t>end</a:t>
             </a:r>
             <a:r>
-              <a:rPr lang="es-MX" sz="1800" dirty="0" smtClean="0"/>
+              <a:rPr lang="es-MX" sz="1800" dirty="0"/>
               <a:t>.</a:t>
             </a:r>
-            <a:endParaRPr lang="es-MX" sz="1800" dirty="0"/>
           </a:p>
         </p:txBody>
       </p:sp>
@@ -7038,10 +7047,9 @@
           <a:lstStyle/>
           <a:p>
             <a:r>
-              <a:rPr lang="es-MX" dirty="0" smtClean="0"/>
+              <a:rPr lang="es-MX" dirty="0"/>
               <a:t>planeación</a:t>
             </a:r>
-            <a:endParaRPr lang="es-MX" dirty="0"/>
           </a:p>
         </p:txBody>
       </p:sp>
@@ -7068,7 +7076,7 @@
           <a:lstStyle/>
           <a:p>
             <a:r>
-              <a:rPr lang="es-MX" dirty="0" smtClean="0"/>
+              <a:rPr lang="es-MX" dirty="0"/>
               <a:t>Tecnología de transmisión Telemática</a:t>
             </a:r>
           </a:p>
@@ -7077,27 +7085,23 @@
               <a:buNone/>
             </a:pPr>
             <a:r>
-              <a:rPr lang="es-MX" dirty="0" smtClean="0"/>
-              <a:t>Cálculos de flujos en intranet ( arquitectura LAN) hacia una  </a:t>
-            </a:r>
-            <a:r>
-              <a:rPr lang="es-MX" dirty="0"/>
-              <a:t>red privada</a:t>
-            </a:r>
-            <a:r>
-              <a:rPr lang="es-MX" dirty="0" smtClean="0"/>
-              <a:t> y características de enlace hacia la RTC como punto de inicio a la red de distribución y/o arrendamiento de servicios virtuales.</a:t>
+              <a:rPr lang="es-MX" dirty="0">
+                <a:highlight>
+                  <a:srgbClr val="000000"/>
+                </a:highlight>
+              </a:rPr>
+              <a:t>Cálculos de flujos en intranet ( arquitectura LAN) hacia una  red privada y características de enlace hacia la RTC como punto de inicio a la red de distribución y/o arrendamiento de servicios virtuales.</a:t>
             </a:r>
           </a:p>
           <a:p>
             <a:pPr marL="0" indent="0">
               <a:buNone/>
             </a:pPr>
-            <a:endParaRPr lang="es-MX" dirty="0" smtClean="0"/>
-          </a:p>
-          <a:p>
-            <a:r>
-              <a:rPr lang="es-MX" dirty="0" smtClean="0"/>
+            <a:endParaRPr lang="es-MX" dirty="0"/>
+          </a:p>
+          <a:p>
+            <a:r>
+              <a:rPr lang="es-MX" dirty="0"/>
               <a:t>Enlace ISP </a:t>
             </a:r>
           </a:p>
@@ -7106,23 +7110,23 @@
               <a:buNone/>
             </a:pPr>
             <a:r>
-              <a:rPr lang="es-MX" dirty="0" smtClean="0"/>
+              <a:rPr lang="es-MX" dirty="0"/>
               <a:t>Como inicio hacia la comercialización de los servicios </a:t>
             </a:r>
             <a:r>
-              <a:rPr lang="es-MX" dirty="0" err="1" smtClean="0"/>
+              <a:rPr lang="es-MX" dirty="0" err="1"/>
               <a:t>via</a:t>
             </a:r>
             <a:r>
-              <a:rPr lang="es-MX" dirty="0" smtClean="0"/>
+              <a:rPr lang="es-MX" dirty="0"/>
               <a:t> internet (</a:t>
             </a:r>
             <a:r>
-              <a:rPr lang="es-MX" dirty="0" err="1" smtClean="0"/>
+              <a:rPr lang="es-MX" dirty="0" err="1"/>
               <a:t>Ecomerce</a:t>
             </a:r>
             <a:r>
-              <a:rPr lang="es-MX" dirty="0" smtClean="0"/>
+              <a:rPr lang="es-MX" dirty="0"/>
               <a:t>), detallando los enlaces vinculados al acceso de Base de datos mediante el registro de gestión o autenticación del cliente (navegador). </a:t>
             </a:r>
           </a:p>
@@ -7131,7 +7135,7 @@
               <a:buNone/>
             </a:pPr>
             <a:r>
-              <a:rPr lang="es-MX" dirty="0" smtClean="0"/>
+              <a:rPr lang="es-MX" dirty="0"/>
               <a:t>Dependiendo de la localización geográfica del mercado y/o alcance internacional</a:t>
             </a:r>
           </a:p>
@@ -7140,10 +7144,9 @@
               <a:buNone/>
             </a:pPr>
             <a:r>
-              <a:rPr lang="es-MX" dirty="0" smtClean="0"/>
+              <a:rPr lang="es-MX" dirty="0"/>
               <a:t>Servicios, bienes o productos.</a:t>
             </a:r>
-            <a:endParaRPr lang="es-MX" dirty="0"/>
           </a:p>
         </p:txBody>
       </p:sp>
@@ -7195,21 +7198,16 @@
           <a:lstStyle/>
           <a:p>
             <a:r>
-              <a:rPr lang="es-MX" dirty="0" smtClean="0"/>
+              <a:rPr lang="es-MX" dirty="0"/>
               <a:t>REQURIMIENTOS PARA </a:t>
             </a:r>
-            <a:r>
-              <a:rPr lang="es-MX" dirty="0" smtClean="0"/>
-              <a:t/>
-            </a:r>
             <a:br>
-              <a:rPr lang="es-MX" dirty="0" smtClean="0"/>
+              <a:rPr lang="es-MX" dirty="0"/>
             </a:br>
             <a:r>
-              <a:rPr lang="es-MX" dirty="0" smtClean="0"/>
+              <a:rPr lang="es-MX" dirty="0"/>
               <a:t>ECOMERCE</a:t>
             </a:r>
-            <a:endParaRPr lang="es-MX" dirty="0"/>
           </a:p>
         </p:txBody>
       </p:sp>
@@ -7231,92 +7229,46 @@
           <a:lstStyle/>
           <a:p>
             <a:r>
-              <a:rPr lang="es-MX" dirty="0" smtClean="0"/>
+              <a:rPr lang="es-MX" dirty="0"/>
               <a:t>Definición del ancho de banda (recursos,  BD,  GESTORES, ALMACENAJE, STREAMING, CHAT, COBROS, ETC)</a:t>
             </a:r>
           </a:p>
           <a:p>
             <a:r>
-              <a:rPr lang="es-MX" dirty="0" smtClean="0"/>
-              <a:t>Vinculación software FRONT END  </a:t>
-            </a:r>
-            <a:r>
               <a:rPr lang="es-MX" dirty="0"/>
-              <a:t>– hardware Arquitectura </a:t>
-            </a:r>
-            <a:r>
-              <a:rPr lang="es-MX" dirty="0" smtClean="0"/>
-              <a:t>Back </a:t>
-            </a:r>
-            <a:r>
-              <a:rPr lang="es-MX" dirty="0" err="1" smtClean="0"/>
+              <a:t>Vinculación software FRONT END  – hardware Arquitectura Back </a:t>
+            </a:r>
+            <a:r>
+              <a:rPr lang="es-MX" dirty="0" err="1"/>
               <a:t>end</a:t>
             </a:r>
             <a:r>
-              <a:rPr lang="es-MX" dirty="0" smtClean="0"/>
+              <a:rPr lang="es-MX" dirty="0"/>
               <a:t> </a:t>
             </a:r>
+          </a:p>
+          <a:p>
+            <a:r>
+              <a:rPr lang="es-MX" dirty="0"/>
+              <a:t>Definición de  servicios a adquirir del ISP (navegador- buscador) Red de transporte, contratos cantidad de accesos de clientes </a:t>
+            </a:r>
+          </a:p>
+          <a:p>
+            <a:r>
+              <a:rPr lang="es-MX" dirty="0"/>
+              <a:t>Definición de servicios al DNS localización, requisitos </a:t>
+            </a:r>
+            <a:r>
+              <a:rPr lang="es-MX" dirty="0" err="1"/>
+              <a:t>adinistrativos</a:t>
+            </a:r>
             <a:endParaRPr lang="es-MX" dirty="0"/>
           </a:p>
           <a:p>
             <a:r>
-              <a:rPr lang="es-MX" dirty="0" smtClean="0"/>
-              <a:t>Definición </a:t>
-            </a:r>
-            <a:r>
-              <a:rPr lang="es-MX" dirty="0" smtClean="0"/>
-              <a:t>de  servicios </a:t>
-            </a:r>
-            <a:r>
-              <a:rPr lang="es-MX" dirty="0" smtClean="0"/>
-              <a:t>a adquirir del ISP (navegador- </a:t>
-            </a:r>
-            <a:r>
               <a:rPr lang="es-MX" dirty="0"/>
-              <a:t>buscador) Red de </a:t>
-            </a:r>
-            <a:r>
-              <a:rPr lang="es-MX" dirty="0" smtClean="0"/>
-              <a:t>transporte, contratos cantidad </a:t>
-            </a:r>
-            <a:r>
-              <a:rPr lang="es-MX" dirty="0"/>
-              <a:t>de accesos de clientes </a:t>
-            </a:r>
-          </a:p>
-          <a:p>
-            <a:r>
-              <a:rPr lang="es-MX" dirty="0" smtClean="0"/>
-              <a:t>Definición </a:t>
-            </a:r>
-            <a:r>
-              <a:rPr lang="es-MX" dirty="0" smtClean="0"/>
-              <a:t>de servicios al </a:t>
-            </a:r>
-            <a:r>
-              <a:rPr lang="es-MX" dirty="0" smtClean="0"/>
-              <a:t>DNS localización, requisitos </a:t>
-            </a:r>
-            <a:r>
-              <a:rPr lang="es-MX" dirty="0" err="1" smtClean="0"/>
-              <a:t>adinistrativos</a:t>
-            </a:r>
-            <a:endParaRPr lang="es-MX" dirty="0" smtClean="0"/>
-          </a:p>
-          <a:p>
-            <a:r>
-              <a:rPr lang="es-MX" dirty="0" smtClean="0"/>
-              <a:t>Requerimiento BW, tecnología </a:t>
-            </a:r>
-            <a:r>
-              <a:rPr lang="es-MX" dirty="0" smtClean="0"/>
-              <a:t>de transmisión SDH y </a:t>
-            </a:r>
-            <a:r>
-              <a:rPr lang="es-MX" dirty="0" smtClean="0"/>
-              <a:t>redundancia</a:t>
-            </a:r>
-            <a:endParaRPr lang="es-MX" dirty="0" smtClean="0"/>
+              <a:t>Requerimiento BW, tecnología de transmisión SDH y redundancia</a:t>
+            </a:r>
           </a:p>
         </p:txBody>
       </p:sp>
@@ -7366,10 +7318,9 @@
           <a:lstStyle/>
           <a:p>
             <a:r>
-              <a:rPr lang="es-MX" dirty="0" smtClean="0"/>
+              <a:rPr lang="es-MX" dirty="0"/>
               <a:t>Calculo de enlace</a:t>
             </a:r>
-            <a:endParaRPr lang="es-MX" dirty="0"/>
           </a:p>
         </p:txBody>
       </p:sp>
@@ -7391,7 +7342,7 @@
         </p:spPr>
         <p:txBody>
           <a:bodyPr>
-            <a:normAutofit lnSpcReduction="10000"/>
+            <a:normAutofit/>
           </a:bodyPr>
           <a:lstStyle/>
           <a:p>
@@ -7400,17 +7351,6 @@
                 <a:srgbClr val="2A1A00"/>
               </a:buClr>
             </a:pPr>
-            <a:r>
-              <a:rPr lang="es-MX" sz="1900" dirty="0" smtClean="0">
-                <a:solidFill>
-                  <a:prstClr val="black">
-                    <a:lumMod val="65000"/>
-                    <a:lumOff val="35000"/>
-                  </a:prstClr>
-                </a:solidFill>
-              </a:rPr>
-              <a:t>Requerimiento </a:t>
-            </a:r>
             <a:r>
               <a:rPr lang="es-MX" sz="1900" dirty="0">
                 <a:solidFill>
@@ -7419,20 +7359,19 @@
                     <a:lumOff val="35000"/>
                   </a:prstClr>
                 </a:solidFill>
+                <a:highlight>
+                  <a:srgbClr val="000000"/>
+                </a:highlight>
               </a:rPr>
-              <a:t>tecnología de transmisión </a:t>
-            </a:r>
-            <a:r>
-              <a:rPr lang="es-MX" sz="1900" dirty="0" smtClean="0">
-                <a:solidFill>
-                  <a:prstClr val="black">
-                    <a:lumMod val="65000"/>
-                    <a:lumOff val="35000"/>
-                  </a:prstClr>
-                </a:solidFill>
-              </a:rPr>
-              <a:t>SDH, BW, MULTIPLEXADO </a:t>
-            </a:r>
+              <a:t>Requerimiento tecnología de transmisión SDH, BW, MULTIPLEXADO y redundancia</a:t>
+            </a:r>
+          </a:p>
+          <a:p>
+            <a:pPr lvl="0">
+              <a:buClr>
+                <a:srgbClr val="2A1A00"/>
+              </a:buClr>
+            </a:pPr>
             <a:r>
               <a:rPr lang="es-MX" sz="1900" dirty="0">
                 <a:solidFill>
@@ -7441,125 +7380,66 @@
                     <a:lumOff val="35000"/>
                   </a:prstClr>
                 </a:solidFill>
+                <a:highlight>
+                  <a:srgbClr val="000000"/>
+                </a:highlight>
               </a:rPr>
-              <a:t>y redundancia</a:t>
-            </a:r>
-          </a:p>
-          <a:p>
-            <a:pPr lvl="0">
-              <a:buClr>
-                <a:srgbClr val="2A1A00"/>
-              </a:buClr>
-            </a:pPr>
-            <a:r>
-              <a:rPr lang="es-MX" sz="1900" dirty="0" smtClean="0">
-                <a:solidFill>
-                  <a:prstClr val="black">
-                    <a:lumMod val="65000"/>
-                    <a:lumOff val="35000"/>
-                  </a:prstClr>
-                </a:solidFill>
-              </a:rPr>
-              <a:t>Rutas  </a:t>
-            </a:r>
-            <a:r>
-              <a:rPr lang="es-MX" sz="1900" dirty="0">
-                <a:solidFill>
-                  <a:prstClr val="black">
-                    <a:lumMod val="65000"/>
-                    <a:lumOff val="35000"/>
-                  </a:prstClr>
-                </a:solidFill>
-              </a:rPr>
-              <a:t>enlace principal y redundancia con </a:t>
-            </a:r>
-            <a:r>
-              <a:rPr lang="es-MX" sz="1900" dirty="0" smtClean="0">
-                <a:solidFill>
-                  <a:prstClr val="black">
-                    <a:lumMod val="65000"/>
-                    <a:lumOff val="35000"/>
-                  </a:prstClr>
-                </a:solidFill>
-              </a:rPr>
-              <a:t>equipo de transmisión óptica  </a:t>
-            </a:r>
-            <a:r>
-              <a:rPr lang="es-MX" sz="1900" dirty="0">
-                <a:solidFill>
-                  <a:prstClr val="black">
-                    <a:lumMod val="65000"/>
-                    <a:lumOff val="35000"/>
-                  </a:prstClr>
-                </a:solidFill>
-              </a:rPr>
-              <a:t>especifico</a:t>
-            </a:r>
-          </a:p>
-          <a:p>
-            <a:r>
-              <a:rPr lang="es-MX" dirty="0" smtClean="0"/>
+              <a:t>Rutas  enlace principal y redundancia con equipo de transmisión óptica  especifico</a:t>
+            </a:r>
+          </a:p>
+          <a:p>
+            <a:r>
+              <a:rPr lang="es-MX" dirty="0"/>
               <a:t>Ruta superficial, subsuelo o </a:t>
             </a:r>
             <a:r>
-              <a:rPr lang="es-MX" dirty="0" err="1" smtClean="0"/>
+              <a:rPr lang="es-MX" dirty="0" err="1"/>
               <a:t>aerea</a:t>
             </a:r>
-            <a:endParaRPr lang="es-MX" dirty="0" smtClean="0"/>
-          </a:p>
-          <a:p>
-            <a:r>
-              <a:rPr lang="es-MX" dirty="0" smtClean="0"/>
+            <a:endParaRPr lang="es-MX" dirty="0"/>
+          </a:p>
+          <a:p>
+            <a:r>
+              <a:rPr lang="es-MX" dirty="0"/>
               <a:t>Normatividad</a:t>
             </a:r>
           </a:p>
           <a:p>
             <a:r>
-              <a:rPr lang="es-MX" dirty="0" err="1" smtClean="0"/>
+              <a:rPr lang="es-MX" dirty="0" err="1"/>
               <a:t>Ducteria</a:t>
             </a:r>
-            <a:endParaRPr lang="es-MX" dirty="0" smtClean="0"/>
-          </a:p>
-          <a:p>
-            <a:r>
-              <a:rPr lang="es-MX" dirty="0" smtClean="0"/>
+            <a:endParaRPr lang="es-MX" dirty="0"/>
+          </a:p>
+          <a:p>
+            <a:r>
+              <a:rPr lang="es-MX" dirty="0"/>
               <a:t>Características de las fibras , carretes.</a:t>
             </a:r>
           </a:p>
           <a:p>
             <a:r>
-              <a:rPr lang="es-MX" dirty="0" smtClean="0"/>
+              <a:rPr lang="es-MX" dirty="0"/>
               <a:t>Detalle de ADM, conectores, empalmes, cambio de tipo de cable </a:t>
             </a:r>
           </a:p>
           <a:p>
             <a:r>
-              <a:rPr lang="es-MX" dirty="0" smtClean="0"/>
+              <a:rPr lang="es-MX" dirty="0"/>
               <a:t>Calculo del enlace con detalle en los cambios de nivel </a:t>
             </a:r>
           </a:p>
           <a:p>
             <a:r>
-              <a:rPr lang="es-MX" dirty="0" err="1" smtClean="0"/>
+              <a:rPr lang="es-MX" dirty="0" err="1"/>
               <a:t>Enfasis</a:t>
             </a:r>
             <a:r>
-              <a:rPr lang="es-MX" dirty="0" smtClean="0"/>
+              <a:rPr lang="es-MX" dirty="0"/>
               <a:t> en punto de conflicto, base para maqueta.</a:t>
             </a:r>
           </a:p>
           <a:p>
-            <a:r>
-              <a:rPr lang="es-MX" dirty="0" smtClean="0">
-                <a:solidFill>
-                  <a:prstClr val="black">
-                    <a:lumMod val="65000"/>
-                    <a:lumOff val="35000"/>
-                  </a:prstClr>
-                </a:solidFill>
-              </a:rPr>
-              <a:t>Conclusión </a:t>
-            </a:r>
             <a:r>
               <a:rPr lang="es-MX" dirty="0">
                 <a:solidFill>
@@ -7569,18 +7449,7 @@
                   </a:prstClr>
                 </a:solidFill>
               </a:rPr>
-              <a:t>de Vialidad (Margen</a:t>
-            </a:r>
-            <a:r>
-              <a:rPr lang="es-MX" dirty="0" smtClean="0">
-                <a:solidFill>
-                  <a:prstClr val="black">
-                    <a:lumMod val="65000"/>
-                    <a:lumOff val="35000"/>
-                  </a:prstClr>
-                </a:solidFill>
-              </a:rPr>
-              <a:t>) y a criterio del diseñador</a:t>
+              <a:t>Conclusión de Vialidad (Margen) y a criterio del diseñador</a:t>
             </a:r>
             <a:endParaRPr lang="es-MX" dirty="0"/>
           </a:p>
